--- a/docs/diagrams/modelDiagramsRaw.pptx
+++ b/docs/diagrams/modelDiagramsRaw.pptx
@@ -262,7 +262,7 @@
           <a:p>
             <a:fld id="{C9E9FFEB-7613-5C44-98A7-C5146FEB867D}" type="datetimeFigureOut">
               <a:rPr lang="en-US" smtClean="0"/>
-              <a:t>10/25/23</a:t>
+              <a:t>10/26/23</a:t>
             </a:fld>
             <a:endParaRPr lang="en-US"/>
           </a:p>
@@ -462,7 +462,7 @@
           <a:p>
             <a:fld id="{C9E9FFEB-7613-5C44-98A7-C5146FEB867D}" type="datetimeFigureOut">
               <a:rPr lang="en-US" smtClean="0"/>
-              <a:t>10/25/23</a:t>
+              <a:t>10/26/23</a:t>
             </a:fld>
             <a:endParaRPr lang="en-US"/>
           </a:p>
@@ -672,7 +672,7 @@
           <a:p>
             <a:fld id="{C9E9FFEB-7613-5C44-98A7-C5146FEB867D}" type="datetimeFigureOut">
               <a:rPr lang="en-US" smtClean="0"/>
-              <a:t>10/25/23</a:t>
+              <a:t>10/26/23</a:t>
             </a:fld>
             <a:endParaRPr lang="en-US"/>
           </a:p>
@@ -872,7 +872,7 @@
           <a:p>
             <a:fld id="{C9E9FFEB-7613-5C44-98A7-C5146FEB867D}" type="datetimeFigureOut">
               <a:rPr lang="en-US" smtClean="0"/>
-              <a:t>10/25/23</a:t>
+              <a:t>10/26/23</a:t>
             </a:fld>
             <a:endParaRPr lang="en-US"/>
           </a:p>
@@ -1148,7 +1148,7 @@
           <a:p>
             <a:fld id="{C9E9FFEB-7613-5C44-98A7-C5146FEB867D}" type="datetimeFigureOut">
               <a:rPr lang="en-US" smtClean="0"/>
-              <a:t>10/25/23</a:t>
+              <a:t>10/26/23</a:t>
             </a:fld>
             <a:endParaRPr lang="en-US"/>
           </a:p>
@@ -1416,7 +1416,7 @@
           <a:p>
             <a:fld id="{C9E9FFEB-7613-5C44-98A7-C5146FEB867D}" type="datetimeFigureOut">
               <a:rPr lang="en-US" smtClean="0"/>
-              <a:t>10/25/23</a:t>
+              <a:t>10/26/23</a:t>
             </a:fld>
             <a:endParaRPr lang="en-US"/>
           </a:p>
@@ -1831,7 +1831,7 @@
           <a:p>
             <a:fld id="{C9E9FFEB-7613-5C44-98A7-C5146FEB867D}" type="datetimeFigureOut">
               <a:rPr lang="en-US" smtClean="0"/>
-              <a:t>10/25/23</a:t>
+              <a:t>10/26/23</a:t>
             </a:fld>
             <a:endParaRPr lang="en-US"/>
           </a:p>
@@ -1973,7 +1973,7 @@
           <a:p>
             <a:fld id="{C9E9FFEB-7613-5C44-98A7-C5146FEB867D}" type="datetimeFigureOut">
               <a:rPr lang="en-US" smtClean="0"/>
-              <a:t>10/25/23</a:t>
+              <a:t>10/26/23</a:t>
             </a:fld>
             <a:endParaRPr lang="en-US"/>
           </a:p>
@@ -2086,7 +2086,7 @@
           <a:p>
             <a:fld id="{C9E9FFEB-7613-5C44-98A7-C5146FEB867D}" type="datetimeFigureOut">
               <a:rPr lang="en-US" smtClean="0"/>
-              <a:t>10/25/23</a:t>
+              <a:t>10/26/23</a:t>
             </a:fld>
             <a:endParaRPr lang="en-US"/>
           </a:p>
@@ -2399,7 +2399,7 @@
           <a:p>
             <a:fld id="{C9E9FFEB-7613-5C44-98A7-C5146FEB867D}" type="datetimeFigureOut">
               <a:rPr lang="en-US" smtClean="0"/>
-              <a:t>10/25/23</a:t>
+              <a:t>10/26/23</a:t>
             </a:fld>
             <a:endParaRPr lang="en-US"/>
           </a:p>
@@ -2688,7 +2688,7 @@
           <a:p>
             <a:fld id="{C9E9FFEB-7613-5C44-98A7-C5146FEB867D}" type="datetimeFigureOut">
               <a:rPr lang="en-US" smtClean="0"/>
-              <a:t>10/25/23</a:t>
+              <a:t>10/26/23</a:t>
             </a:fld>
             <a:endParaRPr lang="en-US"/>
           </a:p>
@@ -2931,7 +2931,7 @@
           <a:p>
             <a:fld id="{C9E9FFEB-7613-5C44-98A7-C5146FEB867D}" type="datetimeFigureOut">
               <a:rPr lang="en-US" smtClean="0"/>
-              <a:t>10/25/23</a:t>
+              <a:t>10/26/23</a:t>
             </a:fld>
             <a:endParaRPr lang="en-US"/>
           </a:p>
@@ -3768,10 +3768,9 @@
           <a:p>
             <a:pPr algn="ctr"/>
             <a:r>
-              <a:rPr lang="en-US" dirty="0" err="1"/>
+              <a:rPr lang="en-US" dirty="0"/>
               <a:t>AffiliationHistory</a:t>
             </a:r>
-            <a:endParaRPr lang="en-US" dirty="0"/>
           </a:p>
         </p:txBody>
       </p:sp>
@@ -4097,10 +4096,9 @@
           <a:p>
             <a:pPr algn="ctr"/>
             <a:r>
-              <a:rPr lang="en-US" dirty="0" err="1"/>
+              <a:rPr lang="en-US" dirty="0"/>
               <a:t>ModelManager</a:t>
             </a:r>
-            <a:endParaRPr lang="en-US" dirty="0"/>
           </a:p>
         </p:txBody>
       </p:sp>
@@ -4383,7 +4381,7 @@
           <a:prstGeom prst="straightConnector1">
             <a:avLst/>
           </a:prstGeom>
-          <a:ln w="31750">
+          <a:ln w="38100">
             <a:solidFill>
               <a:schemeClr val="tx1"/>
             </a:solidFill>
@@ -4429,7 +4427,7 @@
           <a:prstGeom prst="straightConnector1">
             <a:avLst/>
           </a:prstGeom>
-          <a:ln w="31750">
+          <a:ln w="34925">
             <a:solidFill>
               <a:schemeClr val="tx1"/>
             </a:solidFill>
@@ -4475,7 +4473,7 @@
           <a:prstGeom prst="straightConnector1">
             <a:avLst/>
           </a:prstGeom>
-          <a:ln w="31750">
+          <a:ln w="34925">
             <a:solidFill>
               <a:schemeClr val="tx1"/>
             </a:solidFill>
@@ -4520,7 +4518,7 @@
           <a:prstGeom prst="straightConnector1">
             <a:avLst/>
           </a:prstGeom>
-          <a:ln w="31750">
+          <a:ln w="34925">
             <a:solidFill>
               <a:schemeClr val="tx1"/>
             </a:solidFill>
@@ -4586,10 +4584,9 @@
           <a:p>
             <a:pPr algn="ctr"/>
             <a:r>
-              <a:rPr lang="en-US" dirty="0" err="1"/>
+              <a:rPr lang="en-US" dirty="0"/>
               <a:t>ShiftDays</a:t>
             </a:r>
-            <a:endParaRPr lang="en-US" dirty="0"/>
           </a:p>
         </p:txBody>
       </p:sp>
@@ -4636,10 +4633,9 @@
           <a:p>
             <a:pPr algn="ctr"/>
             <a:r>
-              <a:rPr lang="en-US" dirty="0" err="1"/>
+              <a:rPr lang="en-US" dirty="0"/>
               <a:t>NextOfKin</a:t>
             </a:r>
-            <a:endParaRPr lang="en-US" dirty="0"/>
           </a:p>
         </p:txBody>
       </p:sp>
@@ -4708,6 +4704,520 @@
           <a:xfrm flipV="1">
             <a:off x="8284375" y="1444802"/>
             <a:ext cx="610194" cy="578157"/>
+          </a:xfrm>
+          <a:prstGeom prst="straightConnector1">
+            <a:avLst/>
+          </a:prstGeom>
+          <a:ln w="31750">
+            <a:solidFill>
+              <a:schemeClr val="tx1"/>
+            </a:solidFill>
+            <a:headEnd type="diamond" w="lg" len="lg"/>
+            <a:tailEnd type="stealth" w="lg" len="lg"/>
+          </a:ln>
+        </p:spPr>
+        <p:style>
+          <a:lnRef idx="1">
+            <a:schemeClr val="accent1"/>
+          </a:lnRef>
+          <a:fillRef idx="0">
+            <a:schemeClr val="accent1"/>
+          </a:fillRef>
+          <a:effectRef idx="0">
+            <a:schemeClr val="accent1"/>
+          </a:effectRef>
+          <a:fontRef idx="minor">
+            <a:schemeClr val="tx1"/>
+          </a:fontRef>
+        </p:style>
+      </p:cxnSp>
+      <p:sp>
+        <p:nvSpPr>
+          <p:cNvPr id="3" name="Rectangle 2">
+            <a:extLst>
+              <a:ext uri="{FF2B5EF4-FFF2-40B4-BE49-F238E27FC236}">
+                <a16:creationId xmlns:a16="http://schemas.microsoft.com/office/drawing/2014/main" id="{1ADFF50C-8C78-8DFA-FCB7-C10358BD33B3}"/>
+              </a:ext>
+            </a:extLst>
+          </p:cNvPr>
+          <p:cNvSpPr/>
+          <p:nvPr/>
+        </p:nvSpPr>
+        <p:spPr>
+          <a:xfrm>
+            <a:off x="7369085" y="6095126"/>
+            <a:ext cx="1220387" cy="569626"/>
+          </a:xfrm>
+          <a:prstGeom prst="rect">
+            <a:avLst/>
+          </a:prstGeom>
+        </p:spPr>
+        <p:style>
+          <a:lnRef idx="2">
+            <a:schemeClr val="accent1">
+              <a:shade val="15000"/>
+            </a:schemeClr>
+          </a:lnRef>
+          <a:fillRef idx="1">
+            <a:schemeClr val="accent1"/>
+          </a:fillRef>
+          <a:effectRef idx="0">
+            <a:schemeClr val="accent1"/>
+          </a:effectRef>
+          <a:fontRef idx="minor">
+            <a:schemeClr val="lt1"/>
+          </a:fontRef>
+        </p:style>
+        <p:txBody>
+          <a:bodyPr rtlCol="0" anchor="ctr"/>
+          <a:lstStyle/>
+          <a:p>
+            <a:pPr algn="ctr"/>
+            <a:r>
+              <a:rPr lang="en-US" dirty="0"/>
+              <a:t>Affiliation</a:t>
+            </a:r>
+          </a:p>
+        </p:txBody>
+      </p:sp>
+      <p:cxnSp>
+        <p:nvCxnSpPr>
+          <p:cNvPr id="5" name="Straight Arrow Connector 4">
+            <a:extLst>
+              <a:ext uri="{FF2B5EF4-FFF2-40B4-BE49-F238E27FC236}">
+                <a16:creationId xmlns:a16="http://schemas.microsoft.com/office/drawing/2014/main" id="{43FBBE34-CBB7-90AF-7FE1-BA466AA0E28D}"/>
+              </a:ext>
+            </a:extLst>
+          </p:cNvPr>
+          <p:cNvCxnSpPr>
+            <a:cxnSpLocks/>
+          </p:cNvCxnSpPr>
+          <p:nvPr/>
+        </p:nvCxnSpPr>
+        <p:spPr>
+          <a:xfrm>
+            <a:off x="7154636" y="5698011"/>
+            <a:ext cx="672492" cy="397115"/>
+          </a:xfrm>
+          <a:prstGeom prst="straightConnector1">
+            <a:avLst/>
+          </a:prstGeom>
+          <a:ln w="31750">
+            <a:solidFill>
+              <a:schemeClr val="tx1"/>
+            </a:solidFill>
+            <a:headEnd type="diamond" w="lg" len="lg"/>
+            <a:tailEnd type="stealth" w="lg" len="lg"/>
+          </a:ln>
+        </p:spPr>
+        <p:style>
+          <a:lnRef idx="1">
+            <a:schemeClr val="accent1"/>
+          </a:lnRef>
+          <a:fillRef idx="0">
+            <a:schemeClr val="accent1"/>
+          </a:fillRef>
+          <a:effectRef idx="0">
+            <a:schemeClr val="accent1"/>
+          </a:effectRef>
+          <a:fontRef idx="minor">
+            <a:schemeClr val="tx1"/>
+          </a:fontRef>
+        </p:style>
+      </p:cxnSp>
+      <p:cxnSp>
+        <p:nvCxnSpPr>
+          <p:cNvPr id="13" name="Straight Arrow Connector 12">
+            <a:extLst>
+              <a:ext uri="{FF2B5EF4-FFF2-40B4-BE49-F238E27FC236}">
+                <a16:creationId xmlns:a16="http://schemas.microsoft.com/office/drawing/2014/main" id="{2EE5B396-E132-65D4-4529-B0A1AB05688B}"/>
+              </a:ext>
+            </a:extLst>
+          </p:cNvPr>
+          <p:cNvCxnSpPr>
+            <a:cxnSpLocks/>
+          </p:cNvCxnSpPr>
+          <p:nvPr/>
+        </p:nvCxnSpPr>
+        <p:spPr>
+          <a:xfrm flipH="1">
+            <a:off x="8284375" y="5700394"/>
+            <a:ext cx="859317" cy="394732"/>
+          </a:xfrm>
+          <a:prstGeom prst="straightConnector1">
+            <a:avLst/>
+          </a:prstGeom>
+          <a:ln w="31750">
+            <a:solidFill>
+              <a:schemeClr val="tx1"/>
+            </a:solidFill>
+            <a:headEnd type="diamond" w="lg" len="lg"/>
+            <a:tailEnd type="stealth" w="lg" len="lg"/>
+          </a:ln>
+        </p:spPr>
+        <p:style>
+          <a:lnRef idx="1">
+            <a:schemeClr val="accent1"/>
+          </a:lnRef>
+          <a:fillRef idx="0">
+            <a:schemeClr val="accent1"/>
+          </a:fillRef>
+          <a:effectRef idx="0">
+            <a:schemeClr val="accent1"/>
+          </a:effectRef>
+          <a:fontRef idx="minor">
+            <a:schemeClr val="tx1"/>
+          </a:fontRef>
+        </p:style>
+      </p:cxnSp>
+      <p:sp>
+        <p:nvSpPr>
+          <p:cNvPr id="17" name="TextBox 16">
+            <a:extLst>
+              <a:ext uri="{FF2B5EF4-FFF2-40B4-BE49-F238E27FC236}">
+                <a16:creationId xmlns:a16="http://schemas.microsoft.com/office/drawing/2014/main" id="{E73DF7D2-2CA5-9DDD-01A0-2FB364FD32C6}"/>
+              </a:ext>
+            </a:extLst>
+          </p:cNvPr>
+          <p:cNvSpPr txBox="1"/>
+          <p:nvPr/>
+        </p:nvSpPr>
+        <p:spPr>
+          <a:xfrm>
+            <a:off x="8506888" y="5918670"/>
+            <a:ext cx="300082" cy="369332"/>
+          </a:xfrm>
+          <a:prstGeom prst="rect">
+            <a:avLst/>
+          </a:prstGeom>
+          <a:noFill/>
+        </p:spPr>
+        <p:txBody>
+          <a:bodyPr wrap="none" rtlCol="0">
+            <a:spAutoFit/>
+          </a:bodyPr>
+          <a:lstStyle/>
+          <a:p>
+            <a:r>
+              <a:rPr lang="en-US" dirty="0"/>
+              <a:t>*</a:t>
+            </a:r>
+          </a:p>
+        </p:txBody>
+      </p:sp>
+      <p:sp>
+        <p:nvSpPr>
+          <p:cNvPr id="21" name="TextBox 20">
+            <a:extLst>
+              <a:ext uri="{FF2B5EF4-FFF2-40B4-BE49-F238E27FC236}">
+                <a16:creationId xmlns:a16="http://schemas.microsoft.com/office/drawing/2014/main" id="{12ADC9D0-B197-0528-87F4-6FA06D1708EC}"/>
+              </a:ext>
+            </a:extLst>
+          </p:cNvPr>
+          <p:cNvSpPr txBox="1"/>
+          <p:nvPr/>
+        </p:nvSpPr>
+        <p:spPr>
+          <a:xfrm>
+            <a:off x="7707119" y="5798158"/>
+            <a:ext cx="300082" cy="369332"/>
+          </a:xfrm>
+          <a:prstGeom prst="rect">
+            <a:avLst/>
+          </a:prstGeom>
+          <a:noFill/>
+        </p:spPr>
+        <p:txBody>
+          <a:bodyPr wrap="none" rtlCol="0">
+            <a:spAutoFit/>
+          </a:bodyPr>
+          <a:lstStyle/>
+          <a:p>
+            <a:r>
+              <a:rPr lang="en-US" dirty="0"/>
+              <a:t>*</a:t>
+            </a:r>
+          </a:p>
+        </p:txBody>
+      </p:sp>
+      <p:sp>
+        <p:nvSpPr>
+          <p:cNvPr id="23" name="TextBox 22">
+            <a:extLst>
+              <a:ext uri="{FF2B5EF4-FFF2-40B4-BE49-F238E27FC236}">
+                <a16:creationId xmlns:a16="http://schemas.microsoft.com/office/drawing/2014/main" id="{F3C1B894-460C-0039-DBC3-0D4A55B7A3BD}"/>
+              </a:ext>
+            </a:extLst>
+          </p:cNvPr>
+          <p:cNvSpPr txBox="1"/>
+          <p:nvPr/>
+        </p:nvSpPr>
+        <p:spPr>
+          <a:xfrm>
+            <a:off x="8657251" y="4724203"/>
+            <a:ext cx="300082" cy="369332"/>
+          </a:xfrm>
+          <a:prstGeom prst="rect">
+            <a:avLst/>
+          </a:prstGeom>
+          <a:noFill/>
+        </p:spPr>
+        <p:txBody>
+          <a:bodyPr wrap="square" rtlCol="0">
+            <a:spAutoFit/>
+          </a:bodyPr>
+          <a:lstStyle/>
+          <a:p>
+            <a:r>
+              <a:rPr lang="en-US" dirty="0"/>
+              <a:t>1</a:t>
+            </a:r>
+          </a:p>
+        </p:txBody>
+      </p:sp>
+      <p:sp>
+        <p:nvSpPr>
+          <p:cNvPr id="25" name="TextBox 24">
+            <a:extLst>
+              <a:ext uri="{FF2B5EF4-FFF2-40B4-BE49-F238E27FC236}">
+                <a16:creationId xmlns:a16="http://schemas.microsoft.com/office/drawing/2014/main" id="{D402511B-7C82-AABC-9FC3-454DE60A4577}"/>
+              </a:ext>
+            </a:extLst>
+          </p:cNvPr>
+          <p:cNvSpPr txBox="1"/>
+          <p:nvPr/>
+        </p:nvSpPr>
+        <p:spPr>
+          <a:xfrm>
+            <a:off x="7045085" y="4736478"/>
+            <a:ext cx="300082" cy="369332"/>
+          </a:xfrm>
+          <a:prstGeom prst="rect">
+            <a:avLst/>
+          </a:prstGeom>
+          <a:noFill/>
+        </p:spPr>
+        <p:txBody>
+          <a:bodyPr wrap="square" rtlCol="0">
+            <a:spAutoFit/>
+          </a:bodyPr>
+          <a:lstStyle/>
+          <a:p>
+            <a:r>
+              <a:rPr lang="en-US" dirty="0"/>
+              <a:t>1</a:t>
+            </a:r>
+          </a:p>
+        </p:txBody>
+      </p:sp>
+      <p:sp>
+        <p:nvSpPr>
+          <p:cNvPr id="27" name="TextBox 26">
+            <a:extLst>
+              <a:ext uri="{FF2B5EF4-FFF2-40B4-BE49-F238E27FC236}">
+                <a16:creationId xmlns:a16="http://schemas.microsoft.com/office/drawing/2014/main" id="{EA0D718E-9F73-6918-3427-5488100A72A3}"/>
+              </a:ext>
+            </a:extLst>
+          </p:cNvPr>
+          <p:cNvSpPr txBox="1"/>
+          <p:nvPr/>
+        </p:nvSpPr>
+        <p:spPr>
+          <a:xfrm>
+            <a:off x="5559261" y="4727051"/>
+            <a:ext cx="300082" cy="369332"/>
+          </a:xfrm>
+          <a:prstGeom prst="rect">
+            <a:avLst/>
+          </a:prstGeom>
+          <a:noFill/>
+        </p:spPr>
+        <p:txBody>
+          <a:bodyPr wrap="square" rtlCol="0">
+            <a:spAutoFit/>
+          </a:bodyPr>
+          <a:lstStyle/>
+          <a:p>
+            <a:r>
+              <a:rPr lang="en-US" dirty="0"/>
+              <a:t>1</a:t>
+            </a:r>
+          </a:p>
+        </p:txBody>
+      </p:sp>
+      <p:sp>
+        <p:nvSpPr>
+          <p:cNvPr id="29" name="TextBox 28">
+            <a:extLst>
+              <a:ext uri="{FF2B5EF4-FFF2-40B4-BE49-F238E27FC236}">
+                <a16:creationId xmlns:a16="http://schemas.microsoft.com/office/drawing/2014/main" id="{40E65CA9-AC95-7A71-5F4D-95B90D85E703}"/>
+              </a:ext>
+            </a:extLst>
+          </p:cNvPr>
+          <p:cNvSpPr txBox="1"/>
+          <p:nvPr/>
+        </p:nvSpPr>
+        <p:spPr>
+          <a:xfrm>
+            <a:off x="4142073" y="4676391"/>
+            <a:ext cx="300082" cy="369332"/>
+          </a:xfrm>
+          <a:prstGeom prst="rect">
+            <a:avLst/>
+          </a:prstGeom>
+          <a:noFill/>
+        </p:spPr>
+        <p:txBody>
+          <a:bodyPr wrap="square" rtlCol="0">
+            <a:spAutoFit/>
+          </a:bodyPr>
+          <a:lstStyle/>
+          <a:p>
+            <a:r>
+              <a:rPr lang="en-US" dirty="0"/>
+              <a:t>1</a:t>
+            </a:r>
+          </a:p>
+        </p:txBody>
+      </p:sp>
+      <p:sp>
+        <p:nvSpPr>
+          <p:cNvPr id="35" name="TextBox 34">
+            <a:extLst>
+              <a:ext uri="{FF2B5EF4-FFF2-40B4-BE49-F238E27FC236}">
+                <a16:creationId xmlns:a16="http://schemas.microsoft.com/office/drawing/2014/main" id="{8DE06141-5898-ED4B-B9DE-D27FB00ABCA1}"/>
+              </a:ext>
+            </a:extLst>
+          </p:cNvPr>
+          <p:cNvSpPr txBox="1"/>
+          <p:nvPr/>
+        </p:nvSpPr>
+        <p:spPr>
+          <a:xfrm>
+            <a:off x="2897588" y="4745276"/>
+            <a:ext cx="300082" cy="369332"/>
+          </a:xfrm>
+          <a:prstGeom prst="rect">
+            <a:avLst/>
+          </a:prstGeom>
+          <a:noFill/>
+        </p:spPr>
+        <p:txBody>
+          <a:bodyPr wrap="square" rtlCol="0">
+            <a:spAutoFit/>
+          </a:bodyPr>
+          <a:lstStyle/>
+          <a:p>
+            <a:r>
+              <a:rPr lang="en-US" dirty="0"/>
+              <a:t>1</a:t>
+            </a:r>
+          </a:p>
+        </p:txBody>
+      </p:sp>
+      <p:sp>
+        <p:nvSpPr>
+          <p:cNvPr id="38" name="TextBox 37">
+            <a:extLst>
+              <a:ext uri="{FF2B5EF4-FFF2-40B4-BE49-F238E27FC236}">
+                <a16:creationId xmlns:a16="http://schemas.microsoft.com/office/drawing/2014/main" id="{6CD35BDF-3136-6FF6-9DAC-75F482F68BED}"/>
+              </a:ext>
+            </a:extLst>
+          </p:cNvPr>
+          <p:cNvSpPr txBox="1"/>
+          <p:nvPr/>
+        </p:nvSpPr>
+        <p:spPr>
+          <a:xfrm>
+            <a:off x="1571138" y="4777836"/>
+            <a:ext cx="300082" cy="369332"/>
+          </a:xfrm>
+          <a:prstGeom prst="rect">
+            <a:avLst/>
+          </a:prstGeom>
+          <a:noFill/>
+        </p:spPr>
+        <p:txBody>
+          <a:bodyPr wrap="square" rtlCol="0">
+            <a:spAutoFit/>
+          </a:bodyPr>
+          <a:lstStyle/>
+          <a:p>
+            <a:r>
+              <a:rPr lang="en-US" dirty="0"/>
+              <a:t>1</a:t>
+            </a:r>
+          </a:p>
+        </p:txBody>
+      </p:sp>
+      <p:sp>
+        <p:nvSpPr>
+          <p:cNvPr id="40" name="Rectangle 39">
+            <a:extLst>
+              <a:ext uri="{FF2B5EF4-FFF2-40B4-BE49-F238E27FC236}">
+                <a16:creationId xmlns:a16="http://schemas.microsoft.com/office/drawing/2014/main" id="{1398CA7A-6CFD-0F7D-2530-3908864A1070}"/>
+              </a:ext>
+            </a:extLst>
+          </p:cNvPr>
+          <p:cNvSpPr/>
+          <p:nvPr/>
+        </p:nvSpPr>
+        <p:spPr>
+          <a:xfrm>
+            <a:off x="9684446" y="1323007"/>
+            <a:ext cx="1749495" cy="569626"/>
+          </a:xfrm>
+          <a:prstGeom prst="rect">
+            <a:avLst/>
+          </a:prstGeom>
+        </p:spPr>
+        <p:style>
+          <a:lnRef idx="2">
+            <a:schemeClr val="accent1">
+              <a:shade val="15000"/>
+            </a:schemeClr>
+          </a:lnRef>
+          <a:fillRef idx="1">
+            <a:schemeClr val="accent1"/>
+          </a:fillRef>
+          <a:effectRef idx="0">
+            <a:schemeClr val="accent1"/>
+          </a:effectRef>
+          <a:fontRef idx="minor">
+            <a:schemeClr val="lt1"/>
+          </a:fontRef>
+        </p:style>
+        <p:txBody>
+          <a:bodyPr rtlCol="0" anchor="ctr"/>
+          <a:lstStyle/>
+          <a:p>
+            <a:pPr algn="ctr"/>
+            <a:r>
+              <a:rPr lang="en-US" dirty="0"/>
+              <a:t>Specialisation</a:t>
+            </a:r>
+          </a:p>
+        </p:txBody>
+      </p:sp>
+      <p:cxnSp>
+        <p:nvCxnSpPr>
+          <p:cNvPr id="42" name="Straight Arrow Connector 41">
+            <a:extLst>
+              <a:ext uri="{FF2B5EF4-FFF2-40B4-BE49-F238E27FC236}">
+                <a16:creationId xmlns:a16="http://schemas.microsoft.com/office/drawing/2014/main" id="{0B7E934C-2002-9EBD-FCA3-BCB688A93503}"/>
+              </a:ext>
+            </a:extLst>
+          </p:cNvPr>
+          <p:cNvCxnSpPr>
+            <a:cxnSpLocks/>
+            <a:endCxn id="40" idx="2"/>
+          </p:cNvCxnSpPr>
+          <p:nvPr/>
+        </p:nvCxnSpPr>
+        <p:spPr>
+          <a:xfrm flipV="1">
+            <a:off x="10017142" y="1892633"/>
+            <a:ext cx="542052" cy="403242"/>
           </a:xfrm>
           <a:prstGeom prst="straightConnector1">
             <a:avLst/>

--- a/docs/diagrams/modelDiagramsRaw.pptx
+++ b/docs/diagrams/modelDiagramsRaw.pptx
@@ -5,8 +5,7 @@
     <p:sldMasterId id="2147483648" r:id="rId1"/>
   </p:sldMasterIdLst>
   <p:sldIdLst>
-    <p:sldId id="256" r:id="rId2"/>
-    <p:sldId id="257" r:id="rId3"/>
+    <p:sldId id="257" r:id="rId2"/>
   </p:sldIdLst>
   <p:sldSz cx="12192000" cy="6858000"/>
   <p:notesSz cx="6858000" cy="9144000"/>
@@ -262,7 +261,7 @@
           <a:p>
             <a:fld id="{C9E9FFEB-7613-5C44-98A7-C5146FEB867D}" type="datetimeFigureOut">
               <a:rPr lang="en-US" smtClean="0"/>
-              <a:t>10/26/23</a:t>
+              <a:t>11/10/23</a:t>
             </a:fld>
             <a:endParaRPr lang="en-US"/>
           </a:p>
@@ -462,7 +461,7 @@
           <a:p>
             <a:fld id="{C9E9FFEB-7613-5C44-98A7-C5146FEB867D}" type="datetimeFigureOut">
               <a:rPr lang="en-US" smtClean="0"/>
-              <a:t>10/26/23</a:t>
+              <a:t>11/10/23</a:t>
             </a:fld>
             <a:endParaRPr lang="en-US"/>
           </a:p>
@@ -672,7 +671,7 @@
           <a:p>
             <a:fld id="{C9E9FFEB-7613-5C44-98A7-C5146FEB867D}" type="datetimeFigureOut">
               <a:rPr lang="en-US" smtClean="0"/>
-              <a:t>10/26/23</a:t>
+              <a:t>11/10/23</a:t>
             </a:fld>
             <a:endParaRPr lang="en-US"/>
           </a:p>
@@ -872,7 +871,7 @@
           <a:p>
             <a:fld id="{C9E9FFEB-7613-5C44-98A7-C5146FEB867D}" type="datetimeFigureOut">
               <a:rPr lang="en-US" smtClean="0"/>
-              <a:t>10/26/23</a:t>
+              <a:t>11/10/23</a:t>
             </a:fld>
             <a:endParaRPr lang="en-US"/>
           </a:p>
@@ -1148,7 +1147,7 @@
           <a:p>
             <a:fld id="{C9E9FFEB-7613-5C44-98A7-C5146FEB867D}" type="datetimeFigureOut">
               <a:rPr lang="en-US" smtClean="0"/>
-              <a:t>10/26/23</a:t>
+              <a:t>11/10/23</a:t>
             </a:fld>
             <a:endParaRPr lang="en-US"/>
           </a:p>
@@ -1416,7 +1415,7 @@
           <a:p>
             <a:fld id="{C9E9FFEB-7613-5C44-98A7-C5146FEB867D}" type="datetimeFigureOut">
               <a:rPr lang="en-US" smtClean="0"/>
-              <a:t>10/26/23</a:t>
+              <a:t>11/10/23</a:t>
             </a:fld>
             <a:endParaRPr lang="en-US"/>
           </a:p>
@@ -1831,7 +1830,7 @@
           <a:p>
             <a:fld id="{C9E9FFEB-7613-5C44-98A7-C5146FEB867D}" type="datetimeFigureOut">
               <a:rPr lang="en-US" smtClean="0"/>
-              <a:t>10/26/23</a:t>
+              <a:t>11/10/23</a:t>
             </a:fld>
             <a:endParaRPr lang="en-US"/>
           </a:p>
@@ -1973,7 +1972,7 @@
           <a:p>
             <a:fld id="{C9E9FFEB-7613-5C44-98A7-C5146FEB867D}" type="datetimeFigureOut">
               <a:rPr lang="en-US" smtClean="0"/>
-              <a:t>10/26/23</a:t>
+              <a:t>11/10/23</a:t>
             </a:fld>
             <a:endParaRPr lang="en-US"/>
           </a:p>
@@ -2086,7 +2085,7 @@
           <a:p>
             <a:fld id="{C9E9FFEB-7613-5C44-98A7-C5146FEB867D}" type="datetimeFigureOut">
               <a:rPr lang="en-US" smtClean="0"/>
-              <a:t>10/26/23</a:t>
+              <a:t>11/10/23</a:t>
             </a:fld>
             <a:endParaRPr lang="en-US"/>
           </a:p>
@@ -2399,7 +2398,7 @@
           <a:p>
             <a:fld id="{C9E9FFEB-7613-5C44-98A7-C5146FEB867D}" type="datetimeFigureOut">
               <a:rPr lang="en-US" smtClean="0"/>
-              <a:t>10/26/23</a:t>
+              <a:t>11/10/23</a:t>
             </a:fld>
             <a:endParaRPr lang="en-US"/>
           </a:p>
@@ -2688,7 +2687,7 @@
           <a:p>
             <a:fld id="{C9E9FFEB-7613-5C44-98A7-C5146FEB867D}" type="datetimeFigureOut">
               <a:rPr lang="en-US" smtClean="0"/>
-              <a:t>10/26/23</a:t>
+              <a:t>11/10/23</a:t>
             </a:fld>
             <a:endParaRPr lang="en-US"/>
           </a:p>
@@ -2931,7 +2930,7 @@
           <a:p>
             <a:fld id="{C9E9FFEB-7613-5C44-98A7-C5146FEB867D}" type="datetimeFigureOut">
               <a:rPr lang="en-US" smtClean="0"/>
-              <a:t>10/26/23</a:t>
+              <a:t>11/10/23</a:t>
             </a:fld>
             <a:endParaRPr lang="en-US"/>
           </a:p>
@@ -3350,86 +3349,6 @@
       </p:grpSpPr>
       <p:sp>
         <p:nvSpPr>
-          <p:cNvPr id="2" name="Title 1">
-            <a:extLst>
-              <a:ext uri="{FF2B5EF4-FFF2-40B4-BE49-F238E27FC236}">
-                <a16:creationId xmlns:a16="http://schemas.microsoft.com/office/drawing/2014/main" id="{4DFFB6BF-06D9-DFCA-A71F-DDD729B659B4}"/>
-              </a:ext>
-            </a:extLst>
-          </p:cNvPr>
-          <p:cNvSpPr>
-            <a:spLocks noGrp="1"/>
-          </p:cNvSpPr>
-          <p:nvPr>
-            <p:ph type="ctrTitle"/>
-          </p:nvPr>
-        </p:nvSpPr>
-        <p:spPr/>
-        <p:txBody>
-          <a:bodyPr/>
-          <a:lstStyle/>
-          <a:p>
-            <a:endParaRPr lang="en-US"/>
-          </a:p>
-        </p:txBody>
-      </p:sp>
-      <p:sp>
-        <p:nvSpPr>
-          <p:cNvPr id="3" name="Subtitle 2">
-            <a:extLst>
-              <a:ext uri="{FF2B5EF4-FFF2-40B4-BE49-F238E27FC236}">
-                <a16:creationId xmlns:a16="http://schemas.microsoft.com/office/drawing/2014/main" id="{A2B3AEC1-9518-CAC0-B687-E7E966E1D28F}"/>
-              </a:ext>
-            </a:extLst>
-          </p:cNvPr>
-          <p:cNvSpPr>
-            <a:spLocks noGrp="1"/>
-          </p:cNvSpPr>
-          <p:nvPr>
-            <p:ph type="subTitle" idx="1"/>
-          </p:nvPr>
-        </p:nvSpPr>
-        <p:spPr/>
-        <p:txBody>
-          <a:bodyPr/>
-          <a:lstStyle/>
-          <a:p>
-            <a:endParaRPr lang="en-US"/>
-          </a:p>
-        </p:txBody>
-      </p:sp>
-    </p:spTree>
-    <p:extLst>
-      <p:ext uri="{BB962C8B-B14F-4D97-AF65-F5344CB8AC3E}">
-        <p14:creationId xmlns:p14="http://schemas.microsoft.com/office/powerpoint/2010/main" val="2500089837"/>
-      </p:ext>
-    </p:extLst>
-  </p:cSld>
-  <p:clrMapOvr>
-    <a:masterClrMapping/>
-  </p:clrMapOvr>
-</p:sld>
-</file>
-
-<file path=ppt/slides/slide2.xml><?xml version="1.0" encoding="utf-8"?>
-<p:sld xmlns:a="http://schemas.openxmlformats.org/drawingml/2006/main" xmlns:r="http://schemas.openxmlformats.org/officeDocument/2006/relationships" xmlns:p="http://schemas.openxmlformats.org/presentationml/2006/main">
-  <p:cSld>
-    <p:spTree>
-      <p:nvGrpSpPr>
-        <p:cNvPr id="1" name=""/>
-        <p:cNvGrpSpPr/>
-        <p:nvPr/>
-      </p:nvGrpSpPr>
-      <p:grpSpPr>
-        <a:xfrm>
-          <a:off x="0" y="0"/>
-          <a:ext cx="0" cy="0"/>
-          <a:chOff x="0" y="0"/>
-          <a:chExt cx="0" cy="0"/>
-        </a:xfrm>
-      </p:grpSpPr>
-      <p:sp>
-        <p:nvSpPr>
           <p:cNvPr id="4" name="Rectangle 3">
             <a:extLst>
               <a:ext uri="{FF2B5EF4-FFF2-40B4-BE49-F238E27FC236}">
@@ -3791,8 +3710,8 @@
         </p:nvCxnSpPr>
         <p:spPr>
           <a:xfrm>
-            <a:off x="4755820" y="3876831"/>
-            <a:ext cx="4314825" cy="1251554"/>
+            <a:off x="4807926" y="3810072"/>
+            <a:ext cx="4262719" cy="1318313"/>
           </a:xfrm>
           <a:prstGeom prst="straightConnector1">
             <a:avLst/>
@@ -3837,8 +3756,8 @@
         </p:nvCxnSpPr>
         <p:spPr>
           <a:xfrm>
-            <a:off x="4551267" y="3890608"/>
-            <a:ext cx="2695700" cy="1237777"/>
+            <a:off x="4721175" y="3931939"/>
+            <a:ext cx="2525792" cy="1196446"/>
           </a:xfrm>
           <a:prstGeom prst="straightConnector1">
             <a:avLst/>
@@ -3883,8 +3802,8 @@
         </p:nvCxnSpPr>
         <p:spPr>
           <a:xfrm>
-            <a:off x="4253133" y="3931939"/>
-            <a:ext cx="1485074" cy="1196446"/>
+            <a:off x="4441057" y="3931939"/>
+            <a:ext cx="1297150" cy="1196446"/>
           </a:xfrm>
           <a:prstGeom prst="straightConnector1">
             <a:avLst/>
@@ -3929,8 +3848,8 @@
         </p:nvCxnSpPr>
         <p:spPr>
           <a:xfrm>
-            <a:off x="3876303" y="3959493"/>
-            <a:ext cx="353144" cy="1168892"/>
+            <a:off x="4142073" y="3931939"/>
+            <a:ext cx="87374" cy="1196446"/>
           </a:xfrm>
           <a:prstGeom prst="straightConnector1">
             <a:avLst/>
@@ -3975,8 +3894,8 @@
         </p:nvCxnSpPr>
         <p:spPr>
           <a:xfrm flipH="1">
-            <a:off x="2720687" y="3904385"/>
-            <a:ext cx="953967" cy="1224000"/>
+            <a:off x="2720687" y="3931939"/>
+            <a:ext cx="1054019" cy="1196446"/>
           </a:xfrm>
           <a:prstGeom prst="straightConnector1">
             <a:avLst/>
@@ -4215,7 +4134,7 @@
         </p:nvSpPr>
         <p:spPr>
           <a:xfrm>
-            <a:off x="7063988" y="1738146"/>
+            <a:off x="7063988" y="1708650"/>
             <a:ext cx="1220387" cy="569626"/>
           </a:xfrm>
           <a:prstGeom prst="rect">
@@ -4319,7 +4238,7 @@
         </p:nvSpPr>
         <p:spPr>
           <a:xfrm>
-            <a:off x="9338807" y="2289748"/>
+            <a:off x="9338807" y="2275000"/>
             <a:ext cx="1220387" cy="569626"/>
           </a:xfrm>
           <a:prstGeom prst="rect">
@@ -4421,8 +4340,8 @@
         </p:nvCxnSpPr>
         <p:spPr>
           <a:xfrm flipH="1">
-            <a:off x="4389250" y="2022959"/>
-            <a:ext cx="2674738" cy="1258001"/>
+            <a:off x="4442155" y="1993463"/>
+            <a:ext cx="2621833" cy="1327519"/>
           </a:xfrm>
           <a:prstGeom prst="straightConnector1">
             <a:avLst/>
@@ -4555,7 +4474,7 @@
         </p:nvSpPr>
         <p:spPr>
           <a:xfrm>
-            <a:off x="8965883" y="3919717"/>
+            <a:off x="7054747" y="3837837"/>
             <a:ext cx="1220387" cy="569626"/>
           </a:xfrm>
           <a:prstGeom prst="rect">
@@ -4604,7 +4523,7 @@
         </p:nvSpPr>
         <p:spPr>
           <a:xfrm>
-            <a:off x="8284375" y="875176"/>
+            <a:off x="7063987" y="243432"/>
             <a:ext cx="1220387" cy="569626"/>
           </a:xfrm>
           <a:prstGeom prst="rect">
@@ -4650,13 +4569,155 @@
           </p:cNvPr>
           <p:cNvCxnSpPr>
             <a:cxnSpLocks/>
+            <a:endCxn id="44" idx="0"/>
           </p:cNvCxnSpPr>
           <p:nvPr/>
         </p:nvCxnSpPr>
         <p:spPr>
           <a:xfrm>
-            <a:off x="7827128" y="3483940"/>
-            <a:ext cx="1184847" cy="760837"/>
+            <a:off x="7664941" y="3516053"/>
+            <a:ext cx="0" cy="321784"/>
+          </a:xfrm>
+          <a:prstGeom prst="straightConnector1">
+            <a:avLst/>
+          </a:prstGeom>
+          <a:ln w="31750" cap="flat">
+            <a:solidFill>
+              <a:schemeClr val="tx1"/>
+            </a:solidFill>
+            <a:headEnd type="diamond" w="lg" len="lg"/>
+            <a:tailEnd type="stealth" w="lg" len="lg"/>
+          </a:ln>
+        </p:spPr>
+        <p:style>
+          <a:lnRef idx="1">
+            <a:schemeClr val="accent1"/>
+          </a:lnRef>
+          <a:fillRef idx="0">
+            <a:schemeClr val="accent1"/>
+          </a:fillRef>
+          <a:effectRef idx="0">
+            <a:schemeClr val="accent1"/>
+          </a:effectRef>
+          <a:fontRef idx="minor">
+            <a:schemeClr val="tx1"/>
+          </a:fontRef>
+        </p:style>
+      </p:cxnSp>
+      <p:cxnSp>
+        <p:nvCxnSpPr>
+          <p:cNvPr id="48" name="Straight Arrow Connector 47">
+            <a:extLst>
+              <a:ext uri="{FF2B5EF4-FFF2-40B4-BE49-F238E27FC236}">
+                <a16:creationId xmlns:a16="http://schemas.microsoft.com/office/drawing/2014/main" id="{1C35585C-BA97-81B7-2F71-BDD5825909A2}"/>
+              </a:ext>
+            </a:extLst>
+          </p:cNvPr>
+          <p:cNvCxnSpPr>
+            <a:cxnSpLocks/>
+            <a:endCxn id="45" idx="2"/>
+          </p:cNvCxnSpPr>
+          <p:nvPr/>
+        </p:nvCxnSpPr>
+        <p:spPr>
+          <a:xfrm flipV="1">
+            <a:off x="7674181" y="813058"/>
+            <a:ext cx="0" cy="824941"/>
+          </a:xfrm>
+          <a:prstGeom prst="straightConnector1">
+            <a:avLst/>
+          </a:prstGeom>
+          <a:ln w="31750">
+            <a:solidFill>
+              <a:schemeClr val="tx1"/>
+            </a:solidFill>
+            <a:miter lim="800000"/>
+            <a:headEnd type="diamond" w="lg" len="lg"/>
+            <a:tailEnd type="stealth" w="lg" len="lg"/>
+          </a:ln>
+        </p:spPr>
+        <p:style>
+          <a:lnRef idx="1">
+            <a:schemeClr val="accent1"/>
+          </a:lnRef>
+          <a:fillRef idx="0">
+            <a:schemeClr val="accent1"/>
+          </a:fillRef>
+          <a:effectRef idx="0">
+            <a:schemeClr val="accent1"/>
+          </a:effectRef>
+          <a:fontRef idx="minor">
+            <a:schemeClr val="tx1"/>
+          </a:fontRef>
+        </p:style>
+      </p:cxnSp>
+      <p:sp>
+        <p:nvSpPr>
+          <p:cNvPr id="3" name="Rectangle 2">
+            <a:extLst>
+              <a:ext uri="{FF2B5EF4-FFF2-40B4-BE49-F238E27FC236}">
+                <a16:creationId xmlns:a16="http://schemas.microsoft.com/office/drawing/2014/main" id="{1ADFF50C-8C78-8DFA-FCB7-C10358BD33B3}"/>
+              </a:ext>
+            </a:extLst>
+          </p:cNvPr>
+          <p:cNvSpPr/>
+          <p:nvPr/>
+        </p:nvSpPr>
+        <p:spPr>
+          <a:xfrm>
+            <a:off x="7369085" y="6095126"/>
+            <a:ext cx="1220387" cy="569626"/>
+          </a:xfrm>
+          <a:prstGeom prst="rect">
+            <a:avLst/>
+          </a:prstGeom>
+        </p:spPr>
+        <p:style>
+          <a:lnRef idx="2">
+            <a:schemeClr val="accent1">
+              <a:shade val="15000"/>
+            </a:schemeClr>
+          </a:lnRef>
+          <a:fillRef idx="1">
+            <a:schemeClr val="accent1"/>
+          </a:fillRef>
+          <a:effectRef idx="0">
+            <a:schemeClr val="accent1"/>
+          </a:effectRef>
+          <a:fontRef idx="minor">
+            <a:schemeClr val="lt1"/>
+          </a:fontRef>
+        </p:style>
+        <p:txBody>
+          <a:bodyPr rtlCol="0" anchor="ctr"/>
+          <a:lstStyle/>
+          <a:p>
+            <a:pPr algn="ctr"/>
+            <a:r>
+              <a:rPr lang="en-US" dirty="0"/>
+              <a:t>Affiliation</a:t>
+            </a:r>
+          </a:p>
+        </p:txBody>
+      </p:sp>
+      <p:cxnSp>
+        <p:nvCxnSpPr>
+          <p:cNvPr id="5" name="Straight Arrow Connector 4">
+            <a:extLst>
+              <a:ext uri="{FF2B5EF4-FFF2-40B4-BE49-F238E27FC236}">
+                <a16:creationId xmlns:a16="http://schemas.microsoft.com/office/drawing/2014/main" id="{43FBBE34-CBB7-90AF-7FE1-BA466AA0E28D}"/>
+              </a:ext>
+            </a:extLst>
+          </p:cNvPr>
+          <p:cNvCxnSpPr>
+            <a:cxnSpLocks/>
+          </p:cNvCxnSpPr>
+          <p:nvPr/>
+        </p:nvCxnSpPr>
+        <p:spPr>
+          <a:xfrm>
+            <a:off x="7722395" y="5775583"/>
+            <a:ext cx="0" cy="319543"/>
           </a:xfrm>
           <a:prstGeom prst="straightConnector1">
             <a:avLst/>
@@ -4686,24 +4747,22 @@
       </p:cxnSp>
       <p:cxnSp>
         <p:nvCxnSpPr>
-          <p:cNvPr id="48" name="Straight Arrow Connector 47">
-            <a:extLst>
-              <a:ext uri="{FF2B5EF4-FFF2-40B4-BE49-F238E27FC236}">
-                <a16:creationId xmlns:a16="http://schemas.microsoft.com/office/drawing/2014/main" id="{1C35585C-BA97-81B7-2F71-BDD5825909A2}"/>
+          <p:cNvPr id="13" name="Straight Arrow Connector 12">
+            <a:extLst>
+              <a:ext uri="{FF2B5EF4-FFF2-40B4-BE49-F238E27FC236}">
+                <a16:creationId xmlns:a16="http://schemas.microsoft.com/office/drawing/2014/main" id="{2EE5B396-E132-65D4-4529-B0A1AB05688B}"/>
               </a:ext>
             </a:extLst>
           </p:cNvPr>
           <p:cNvCxnSpPr>
             <a:cxnSpLocks/>
-            <a:stCxn id="31" idx="3"/>
-            <a:endCxn id="45" idx="2"/>
           </p:cNvCxnSpPr>
           <p:nvPr/>
         </p:nvCxnSpPr>
         <p:spPr>
-          <a:xfrm flipV="1">
-            <a:off x="8284375" y="1444802"/>
-            <a:ext cx="610194" cy="578157"/>
+          <a:xfrm>
+            <a:off x="8275134" y="5775583"/>
+            <a:ext cx="9241" cy="319543"/>
           </a:xfrm>
           <a:prstGeom prst="straightConnector1">
             <a:avLst/>
@@ -4733,10 +4792,290 @@
       </p:cxnSp>
       <p:sp>
         <p:nvSpPr>
-          <p:cNvPr id="3" name="Rectangle 2">
-            <a:extLst>
-              <a:ext uri="{FF2B5EF4-FFF2-40B4-BE49-F238E27FC236}">
-                <a16:creationId xmlns:a16="http://schemas.microsoft.com/office/drawing/2014/main" id="{1ADFF50C-8C78-8DFA-FCB7-C10358BD33B3}"/>
+          <p:cNvPr id="17" name="TextBox 16">
+            <a:extLst>
+              <a:ext uri="{FF2B5EF4-FFF2-40B4-BE49-F238E27FC236}">
+                <a16:creationId xmlns:a16="http://schemas.microsoft.com/office/drawing/2014/main" id="{E73DF7D2-2CA5-9DDD-01A0-2FB364FD32C6}"/>
+              </a:ext>
+            </a:extLst>
+          </p:cNvPr>
+          <p:cNvSpPr txBox="1"/>
+          <p:nvPr/>
+        </p:nvSpPr>
+        <p:spPr>
+          <a:xfrm>
+            <a:off x="8299902" y="5797467"/>
+            <a:ext cx="300082" cy="369332"/>
+          </a:xfrm>
+          <a:prstGeom prst="rect">
+            <a:avLst/>
+          </a:prstGeom>
+          <a:noFill/>
+        </p:spPr>
+        <p:txBody>
+          <a:bodyPr wrap="none" rtlCol="0">
+            <a:spAutoFit/>
+          </a:bodyPr>
+          <a:lstStyle/>
+          <a:p>
+            <a:r>
+              <a:rPr lang="en-US" dirty="0"/>
+              <a:t>*</a:t>
+            </a:r>
+          </a:p>
+        </p:txBody>
+      </p:sp>
+      <p:sp>
+        <p:nvSpPr>
+          <p:cNvPr id="21" name="TextBox 20">
+            <a:extLst>
+              <a:ext uri="{FF2B5EF4-FFF2-40B4-BE49-F238E27FC236}">
+                <a16:creationId xmlns:a16="http://schemas.microsoft.com/office/drawing/2014/main" id="{12ADC9D0-B197-0528-87F4-6FA06D1708EC}"/>
+              </a:ext>
+            </a:extLst>
+          </p:cNvPr>
+          <p:cNvSpPr txBox="1"/>
+          <p:nvPr/>
+        </p:nvSpPr>
+        <p:spPr>
+          <a:xfrm>
+            <a:off x="7707119" y="5798158"/>
+            <a:ext cx="300082" cy="369332"/>
+          </a:xfrm>
+          <a:prstGeom prst="rect">
+            <a:avLst/>
+          </a:prstGeom>
+          <a:noFill/>
+        </p:spPr>
+        <p:txBody>
+          <a:bodyPr wrap="none" rtlCol="0">
+            <a:spAutoFit/>
+          </a:bodyPr>
+          <a:lstStyle/>
+          <a:p>
+            <a:r>
+              <a:rPr lang="en-US" dirty="0"/>
+              <a:t>*</a:t>
+            </a:r>
+          </a:p>
+        </p:txBody>
+      </p:sp>
+      <p:sp>
+        <p:nvSpPr>
+          <p:cNvPr id="23" name="TextBox 22">
+            <a:extLst>
+              <a:ext uri="{FF2B5EF4-FFF2-40B4-BE49-F238E27FC236}">
+                <a16:creationId xmlns:a16="http://schemas.microsoft.com/office/drawing/2014/main" id="{F3C1B894-460C-0039-DBC3-0D4A55B7A3BD}"/>
+              </a:ext>
+            </a:extLst>
+          </p:cNvPr>
+          <p:cNvSpPr txBox="1"/>
+          <p:nvPr/>
+        </p:nvSpPr>
+        <p:spPr>
+          <a:xfrm>
+            <a:off x="8657251" y="4724203"/>
+            <a:ext cx="300082" cy="369332"/>
+          </a:xfrm>
+          <a:prstGeom prst="rect">
+            <a:avLst/>
+          </a:prstGeom>
+          <a:noFill/>
+        </p:spPr>
+        <p:txBody>
+          <a:bodyPr wrap="square" rtlCol="0">
+            <a:spAutoFit/>
+          </a:bodyPr>
+          <a:lstStyle/>
+          <a:p>
+            <a:r>
+              <a:rPr lang="en-US" dirty="0"/>
+              <a:t>1</a:t>
+            </a:r>
+          </a:p>
+        </p:txBody>
+      </p:sp>
+      <p:sp>
+        <p:nvSpPr>
+          <p:cNvPr id="25" name="TextBox 24">
+            <a:extLst>
+              <a:ext uri="{FF2B5EF4-FFF2-40B4-BE49-F238E27FC236}">
+                <a16:creationId xmlns:a16="http://schemas.microsoft.com/office/drawing/2014/main" id="{D402511B-7C82-AABC-9FC3-454DE60A4577}"/>
+              </a:ext>
+            </a:extLst>
+          </p:cNvPr>
+          <p:cNvSpPr txBox="1"/>
+          <p:nvPr/>
+        </p:nvSpPr>
+        <p:spPr>
+          <a:xfrm>
+            <a:off x="7045085" y="4736478"/>
+            <a:ext cx="300082" cy="369332"/>
+          </a:xfrm>
+          <a:prstGeom prst="rect">
+            <a:avLst/>
+          </a:prstGeom>
+          <a:noFill/>
+        </p:spPr>
+        <p:txBody>
+          <a:bodyPr wrap="square" rtlCol="0">
+            <a:spAutoFit/>
+          </a:bodyPr>
+          <a:lstStyle/>
+          <a:p>
+            <a:r>
+              <a:rPr lang="en-US" dirty="0"/>
+              <a:t>1</a:t>
+            </a:r>
+          </a:p>
+        </p:txBody>
+      </p:sp>
+      <p:sp>
+        <p:nvSpPr>
+          <p:cNvPr id="27" name="TextBox 26">
+            <a:extLst>
+              <a:ext uri="{FF2B5EF4-FFF2-40B4-BE49-F238E27FC236}">
+                <a16:creationId xmlns:a16="http://schemas.microsoft.com/office/drawing/2014/main" id="{EA0D718E-9F73-6918-3427-5488100A72A3}"/>
+              </a:ext>
+            </a:extLst>
+          </p:cNvPr>
+          <p:cNvSpPr txBox="1"/>
+          <p:nvPr/>
+        </p:nvSpPr>
+        <p:spPr>
+          <a:xfrm>
+            <a:off x="5559261" y="4727051"/>
+            <a:ext cx="300082" cy="369332"/>
+          </a:xfrm>
+          <a:prstGeom prst="rect">
+            <a:avLst/>
+          </a:prstGeom>
+          <a:noFill/>
+        </p:spPr>
+        <p:txBody>
+          <a:bodyPr wrap="square" rtlCol="0">
+            <a:spAutoFit/>
+          </a:bodyPr>
+          <a:lstStyle/>
+          <a:p>
+            <a:r>
+              <a:rPr lang="en-US" dirty="0"/>
+              <a:t>1</a:t>
+            </a:r>
+          </a:p>
+        </p:txBody>
+      </p:sp>
+      <p:sp>
+        <p:nvSpPr>
+          <p:cNvPr id="29" name="TextBox 28">
+            <a:extLst>
+              <a:ext uri="{FF2B5EF4-FFF2-40B4-BE49-F238E27FC236}">
+                <a16:creationId xmlns:a16="http://schemas.microsoft.com/office/drawing/2014/main" id="{40E65CA9-AC95-7A71-5F4D-95B90D85E703}"/>
+              </a:ext>
+            </a:extLst>
+          </p:cNvPr>
+          <p:cNvSpPr txBox="1"/>
+          <p:nvPr/>
+        </p:nvSpPr>
+        <p:spPr>
+          <a:xfrm>
+            <a:off x="4142073" y="4676391"/>
+            <a:ext cx="300082" cy="369332"/>
+          </a:xfrm>
+          <a:prstGeom prst="rect">
+            <a:avLst/>
+          </a:prstGeom>
+          <a:noFill/>
+        </p:spPr>
+        <p:txBody>
+          <a:bodyPr wrap="square" rtlCol="0">
+            <a:spAutoFit/>
+          </a:bodyPr>
+          <a:lstStyle/>
+          <a:p>
+            <a:r>
+              <a:rPr lang="en-US" dirty="0"/>
+              <a:t>1</a:t>
+            </a:r>
+          </a:p>
+        </p:txBody>
+      </p:sp>
+      <p:sp>
+        <p:nvSpPr>
+          <p:cNvPr id="35" name="TextBox 34">
+            <a:extLst>
+              <a:ext uri="{FF2B5EF4-FFF2-40B4-BE49-F238E27FC236}">
+                <a16:creationId xmlns:a16="http://schemas.microsoft.com/office/drawing/2014/main" id="{8DE06141-5898-ED4B-B9DE-D27FB00ABCA1}"/>
+              </a:ext>
+            </a:extLst>
+          </p:cNvPr>
+          <p:cNvSpPr txBox="1"/>
+          <p:nvPr/>
+        </p:nvSpPr>
+        <p:spPr>
+          <a:xfrm>
+            <a:off x="2897588" y="4745276"/>
+            <a:ext cx="300082" cy="369332"/>
+          </a:xfrm>
+          <a:prstGeom prst="rect">
+            <a:avLst/>
+          </a:prstGeom>
+          <a:noFill/>
+        </p:spPr>
+        <p:txBody>
+          <a:bodyPr wrap="square" rtlCol="0">
+            <a:spAutoFit/>
+          </a:bodyPr>
+          <a:lstStyle/>
+          <a:p>
+            <a:r>
+              <a:rPr lang="en-US" dirty="0"/>
+              <a:t>1</a:t>
+            </a:r>
+          </a:p>
+        </p:txBody>
+      </p:sp>
+      <p:sp>
+        <p:nvSpPr>
+          <p:cNvPr id="38" name="TextBox 37">
+            <a:extLst>
+              <a:ext uri="{FF2B5EF4-FFF2-40B4-BE49-F238E27FC236}">
+                <a16:creationId xmlns:a16="http://schemas.microsoft.com/office/drawing/2014/main" id="{6CD35BDF-3136-6FF6-9DAC-75F482F68BED}"/>
+              </a:ext>
+            </a:extLst>
+          </p:cNvPr>
+          <p:cNvSpPr txBox="1"/>
+          <p:nvPr/>
+        </p:nvSpPr>
+        <p:spPr>
+          <a:xfrm>
+            <a:off x="1571138" y="4777836"/>
+            <a:ext cx="300082" cy="369332"/>
+          </a:xfrm>
+          <a:prstGeom prst="rect">
+            <a:avLst/>
+          </a:prstGeom>
+          <a:noFill/>
+        </p:spPr>
+        <p:txBody>
+          <a:bodyPr wrap="square" rtlCol="0">
+            <a:spAutoFit/>
+          </a:bodyPr>
+          <a:lstStyle/>
+          <a:p>
+            <a:r>
+              <a:rPr lang="en-US" dirty="0"/>
+              <a:t>1</a:t>
+            </a:r>
+          </a:p>
+        </p:txBody>
+      </p:sp>
+      <p:sp>
+        <p:nvSpPr>
+          <p:cNvPr id="40" name="Rectangle 39">
+            <a:extLst>
+              <a:ext uri="{FF2B5EF4-FFF2-40B4-BE49-F238E27FC236}">
+                <a16:creationId xmlns:a16="http://schemas.microsoft.com/office/drawing/2014/main" id="{1398CA7A-6CFD-0F7D-2530-3908864A1070}"/>
               </a:ext>
             </a:extLst>
           </p:cNvPr>
@@ -4745,8 +5084,8 @@
         </p:nvSpPr>
         <p:spPr>
           <a:xfrm>
-            <a:off x="7369085" y="6095126"/>
-            <a:ext cx="1220387" cy="569626"/>
+            <a:off x="9079355" y="847494"/>
+            <a:ext cx="1749495" cy="569626"/>
           </a:xfrm>
           <a:prstGeom prst="rect">
             <a:avLst/>
@@ -4775,426 +5114,7 @@
             <a:pPr algn="ctr"/>
             <a:r>
               <a:rPr lang="en-US" dirty="0"/>
-              <a:t>Affiliation</a:t>
-            </a:r>
-          </a:p>
-        </p:txBody>
-      </p:sp>
-      <p:cxnSp>
-        <p:nvCxnSpPr>
-          <p:cNvPr id="5" name="Straight Arrow Connector 4">
-            <a:extLst>
-              <a:ext uri="{FF2B5EF4-FFF2-40B4-BE49-F238E27FC236}">
-                <a16:creationId xmlns:a16="http://schemas.microsoft.com/office/drawing/2014/main" id="{43FBBE34-CBB7-90AF-7FE1-BA466AA0E28D}"/>
-              </a:ext>
-            </a:extLst>
-          </p:cNvPr>
-          <p:cNvCxnSpPr>
-            <a:cxnSpLocks/>
-          </p:cNvCxnSpPr>
-          <p:nvPr/>
-        </p:nvCxnSpPr>
-        <p:spPr>
-          <a:xfrm>
-            <a:off x="7154636" y="5698011"/>
-            <a:ext cx="672492" cy="397115"/>
-          </a:xfrm>
-          <a:prstGeom prst="straightConnector1">
-            <a:avLst/>
-          </a:prstGeom>
-          <a:ln w="31750">
-            <a:solidFill>
-              <a:schemeClr val="tx1"/>
-            </a:solidFill>
-            <a:headEnd type="diamond" w="lg" len="lg"/>
-            <a:tailEnd type="stealth" w="lg" len="lg"/>
-          </a:ln>
-        </p:spPr>
-        <p:style>
-          <a:lnRef idx="1">
-            <a:schemeClr val="accent1"/>
-          </a:lnRef>
-          <a:fillRef idx="0">
-            <a:schemeClr val="accent1"/>
-          </a:fillRef>
-          <a:effectRef idx="0">
-            <a:schemeClr val="accent1"/>
-          </a:effectRef>
-          <a:fontRef idx="minor">
-            <a:schemeClr val="tx1"/>
-          </a:fontRef>
-        </p:style>
-      </p:cxnSp>
-      <p:cxnSp>
-        <p:nvCxnSpPr>
-          <p:cNvPr id="13" name="Straight Arrow Connector 12">
-            <a:extLst>
-              <a:ext uri="{FF2B5EF4-FFF2-40B4-BE49-F238E27FC236}">
-                <a16:creationId xmlns:a16="http://schemas.microsoft.com/office/drawing/2014/main" id="{2EE5B396-E132-65D4-4529-B0A1AB05688B}"/>
-              </a:ext>
-            </a:extLst>
-          </p:cNvPr>
-          <p:cNvCxnSpPr>
-            <a:cxnSpLocks/>
-          </p:cNvCxnSpPr>
-          <p:nvPr/>
-        </p:nvCxnSpPr>
-        <p:spPr>
-          <a:xfrm flipH="1">
-            <a:off x="8284375" y="5700394"/>
-            <a:ext cx="859317" cy="394732"/>
-          </a:xfrm>
-          <a:prstGeom prst="straightConnector1">
-            <a:avLst/>
-          </a:prstGeom>
-          <a:ln w="31750">
-            <a:solidFill>
-              <a:schemeClr val="tx1"/>
-            </a:solidFill>
-            <a:headEnd type="diamond" w="lg" len="lg"/>
-            <a:tailEnd type="stealth" w="lg" len="lg"/>
-          </a:ln>
-        </p:spPr>
-        <p:style>
-          <a:lnRef idx="1">
-            <a:schemeClr val="accent1"/>
-          </a:lnRef>
-          <a:fillRef idx="0">
-            <a:schemeClr val="accent1"/>
-          </a:fillRef>
-          <a:effectRef idx="0">
-            <a:schemeClr val="accent1"/>
-          </a:effectRef>
-          <a:fontRef idx="minor">
-            <a:schemeClr val="tx1"/>
-          </a:fontRef>
-        </p:style>
-      </p:cxnSp>
-      <p:sp>
-        <p:nvSpPr>
-          <p:cNvPr id="17" name="TextBox 16">
-            <a:extLst>
-              <a:ext uri="{FF2B5EF4-FFF2-40B4-BE49-F238E27FC236}">
-                <a16:creationId xmlns:a16="http://schemas.microsoft.com/office/drawing/2014/main" id="{E73DF7D2-2CA5-9DDD-01A0-2FB364FD32C6}"/>
-              </a:ext>
-            </a:extLst>
-          </p:cNvPr>
-          <p:cNvSpPr txBox="1"/>
-          <p:nvPr/>
-        </p:nvSpPr>
-        <p:spPr>
-          <a:xfrm>
-            <a:off x="8506888" y="5918670"/>
-            <a:ext cx="300082" cy="369332"/>
-          </a:xfrm>
-          <a:prstGeom prst="rect">
-            <a:avLst/>
-          </a:prstGeom>
-          <a:noFill/>
-        </p:spPr>
-        <p:txBody>
-          <a:bodyPr wrap="none" rtlCol="0">
-            <a:spAutoFit/>
-          </a:bodyPr>
-          <a:lstStyle/>
-          <a:p>
-            <a:r>
-              <a:rPr lang="en-US" dirty="0"/>
-              <a:t>*</a:t>
-            </a:r>
-          </a:p>
-        </p:txBody>
-      </p:sp>
-      <p:sp>
-        <p:nvSpPr>
-          <p:cNvPr id="21" name="TextBox 20">
-            <a:extLst>
-              <a:ext uri="{FF2B5EF4-FFF2-40B4-BE49-F238E27FC236}">
-                <a16:creationId xmlns:a16="http://schemas.microsoft.com/office/drawing/2014/main" id="{12ADC9D0-B197-0528-87F4-6FA06D1708EC}"/>
-              </a:ext>
-            </a:extLst>
-          </p:cNvPr>
-          <p:cNvSpPr txBox="1"/>
-          <p:nvPr/>
-        </p:nvSpPr>
-        <p:spPr>
-          <a:xfrm>
-            <a:off x="7707119" y="5798158"/>
-            <a:ext cx="300082" cy="369332"/>
-          </a:xfrm>
-          <a:prstGeom prst="rect">
-            <a:avLst/>
-          </a:prstGeom>
-          <a:noFill/>
-        </p:spPr>
-        <p:txBody>
-          <a:bodyPr wrap="none" rtlCol="0">
-            <a:spAutoFit/>
-          </a:bodyPr>
-          <a:lstStyle/>
-          <a:p>
-            <a:r>
-              <a:rPr lang="en-US" dirty="0"/>
-              <a:t>*</a:t>
-            </a:r>
-          </a:p>
-        </p:txBody>
-      </p:sp>
-      <p:sp>
-        <p:nvSpPr>
-          <p:cNvPr id="23" name="TextBox 22">
-            <a:extLst>
-              <a:ext uri="{FF2B5EF4-FFF2-40B4-BE49-F238E27FC236}">
-                <a16:creationId xmlns:a16="http://schemas.microsoft.com/office/drawing/2014/main" id="{F3C1B894-460C-0039-DBC3-0D4A55B7A3BD}"/>
-              </a:ext>
-            </a:extLst>
-          </p:cNvPr>
-          <p:cNvSpPr txBox="1"/>
-          <p:nvPr/>
-        </p:nvSpPr>
-        <p:spPr>
-          <a:xfrm>
-            <a:off x="8657251" y="4724203"/>
-            <a:ext cx="300082" cy="369332"/>
-          </a:xfrm>
-          <a:prstGeom prst="rect">
-            <a:avLst/>
-          </a:prstGeom>
-          <a:noFill/>
-        </p:spPr>
-        <p:txBody>
-          <a:bodyPr wrap="square" rtlCol="0">
-            <a:spAutoFit/>
-          </a:bodyPr>
-          <a:lstStyle/>
-          <a:p>
-            <a:r>
-              <a:rPr lang="en-US" dirty="0"/>
-              <a:t>1</a:t>
-            </a:r>
-          </a:p>
-        </p:txBody>
-      </p:sp>
-      <p:sp>
-        <p:nvSpPr>
-          <p:cNvPr id="25" name="TextBox 24">
-            <a:extLst>
-              <a:ext uri="{FF2B5EF4-FFF2-40B4-BE49-F238E27FC236}">
-                <a16:creationId xmlns:a16="http://schemas.microsoft.com/office/drawing/2014/main" id="{D402511B-7C82-AABC-9FC3-454DE60A4577}"/>
-              </a:ext>
-            </a:extLst>
-          </p:cNvPr>
-          <p:cNvSpPr txBox="1"/>
-          <p:nvPr/>
-        </p:nvSpPr>
-        <p:spPr>
-          <a:xfrm>
-            <a:off x="7045085" y="4736478"/>
-            <a:ext cx="300082" cy="369332"/>
-          </a:xfrm>
-          <a:prstGeom prst="rect">
-            <a:avLst/>
-          </a:prstGeom>
-          <a:noFill/>
-        </p:spPr>
-        <p:txBody>
-          <a:bodyPr wrap="square" rtlCol="0">
-            <a:spAutoFit/>
-          </a:bodyPr>
-          <a:lstStyle/>
-          <a:p>
-            <a:r>
-              <a:rPr lang="en-US" dirty="0"/>
-              <a:t>1</a:t>
-            </a:r>
-          </a:p>
-        </p:txBody>
-      </p:sp>
-      <p:sp>
-        <p:nvSpPr>
-          <p:cNvPr id="27" name="TextBox 26">
-            <a:extLst>
-              <a:ext uri="{FF2B5EF4-FFF2-40B4-BE49-F238E27FC236}">
-                <a16:creationId xmlns:a16="http://schemas.microsoft.com/office/drawing/2014/main" id="{EA0D718E-9F73-6918-3427-5488100A72A3}"/>
-              </a:ext>
-            </a:extLst>
-          </p:cNvPr>
-          <p:cNvSpPr txBox="1"/>
-          <p:nvPr/>
-        </p:nvSpPr>
-        <p:spPr>
-          <a:xfrm>
-            <a:off x="5559261" y="4727051"/>
-            <a:ext cx="300082" cy="369332"/>
-          </a:xfrm>
-          <a:prstGeom prst="rect">
-            <a:avLst/>
-          </a:prstGeom>
-          <a:noFill/>
-        </p:spPr>
-        <p:txBody>
-          <a:bodyPr wrap="square" rtlCol="0">
-            <a:spAutoFit/>
-          </a:bodyPr>
-          <a:lstStyle/>
-          <a:p>
-            <a:r>
-              <a:rPr lang="en-US" dirty="0"/>
-              <a:t>1</a:t>
-            </a:r>
-          </a:p>
-        </p:txBody>
-      </p:sp>
-      <p:sp>
-        <p:nvSpPr>
-          <p:cNvPr id="29" name="TextBox 28">
-            <a:extLst>
-              <a:ext uri="{FF2B5EF4-FFF2-40B4-BE49-F238E27FC236}">
-                <a16:creationId xmlns:a16="http://schemas.microsoft.com/office/drawing/2014/main" id="{40E65CA9-AC95-7A71-5F4D-95B90D85E703}"/>
-              </a:ext>
-            </a:extLst>
-          </p:cNvPr>
-          <p:cNvSpPr txBox="1"/>
-          <p:nvPr/>
-        </p:nvSpPr>
-        <p:spPr>
-          <a:xfrm>
-            <a:off x="4142073" y="4676391"/>
-            <a:ext cx="300082" cy="369332"/>
-          </a:xfrm>
-          <a:prstGeom prst="rect">
-            <a:avLst/>
-          </a:prstGeom>
-          <a:noFill/>
-        </p:spPr>
-        <p:txBody>
-          <a:bodyPr wrap="square" rtlCol="0">
-            <a:spAutoFit/>
-          </a:bodyPr>
-          <a:lstStyle/>
-          <a:p>
-            <a:r>
-              <a:rPr lang="en-US" dirty="0"/>
-              <a:t>1</a:t>
-            </a:r>
-          </a:p>
-        </p:txBody>
-      </p:sp>
-      <p:sp>
-        <p:nvSpPr>
-          <p:cNvPr id="35" name="TextBox 34">
-            <a:extLst>
-              <a:ext uri="{FF2B5EF4-FFF2-40B4-BE49-F238E27FC236}">
-                <a16:creationId xmlns:a16="http://schemas.microsoft.com/office/drawing/2014/main" id="{8DE06141-5898-ED4B-B9DE-D27FB00ABCA1}"/>
-              </a:ext>
-            </a:extLst>
-          </p:cNvPr>
-          <p:cNvSpPr txBox="1"/>
-          <p:nvPr/>
-        </p:nvSpPr>
-        <p:spPr>
-          <a:xfrm>
-            <a:off x="2897588" y="4745276"/>
-            <a:ext cx="300082" cy="369332"/>
-          </a:xfrm>
-          <a:prstGeom prst="rect">
-            <a:avLst/>
-          </a:prstGeom>
-          <a:noFill/>
-        </p:spPr>
-        <p:txBody>
-          <a:bodyPr wrap="square" rtlCol="0">
-            <a:spAutoFit/>
-          </a:bodyPr>
-          <a:lstStyle/>
-          <a:p>
-            <a:r>
-              <a:rPr lang="en-US" dirty="0"/>
-              <a:t>1</a:t>
-            </a:r>
-          </a:p>
-        </p:txBody>
-      </p:sp>
-      <p:sp>
-        <p:nvSpPr>
-          <p:cNvPr id="38" name="TextBox 37">
-            <a:extLst>
-              <a:ext uri="{FF2B5EF4-FFF2-40B4-BE49-F238E27FC236}">
-                <a16:creationId xmlns:a16="http://schemas.microsoft.com/office/drawing/2014/main" id="{6CD35BDF-3136-6FF6-9DAC-75F482F68BED}"/>
-              </a:ext>
-            </a:extLst>
-          </p:cNvPr>
-          <p:cNvSpPr txBox="1"/>
-          <p:nvPr/>
-        </p:nvSpPr>
-        <p:spPr>
-          <a:xfrm>
-            <a:off x="1571138" y="4777836"/>
-            <a:ext cx="300082" cy="369332"/>
-          </a:xfrm>
-          <a:prstGeom prst="rect">
-            <a:avLst/>
-          </a:prstGeom>
-          <a:noFill/>
-        </p:spPr>
-        <p:txBody>
-          <a:bodyPr wrap="square" rtlCol="0">
-            <a:spAutoFit/>
-          </a:bodyPr>
-          <a:lstStyle/>
-          <a:p>
-            <a:r>
-              <a:rPr lang="en-US" dirty="0"/>
-              <a:t>1</a:t>
-            </a:r>
-          </a:p>
-        </p:txBody>
-      </p:sp>
-      <p:sp>
-        <p:nvSpPr>
-          <p:cNvPr id="40" name="Rectangle 39">
-            <a:extLst>
-              <a:ext uri="{FF2B5EF4-FFF2-40B4-BE49-F238E27FC236}">
-                <a16:creationId xmlns:a16="http://schemas.microsoft.com/office/drawing/2014/main" id="{1398CA7A-6CFD-0F7D-2530-3908864A1070}"/>
-              </a:ext>
-            </a:extLst>
-          </p:cNvPr>
-          <p:cNvSpPr/>
-          <p:nvPr/>
-        </p:nvSpPr>
-        <p:spPr>
-          <a:xfrm>
-            <a:off x="9684446" y="1323007"/>
-            <a:ext cx="1749495" cy="569626"/>
-          </a:xfrm>
-          <a:prstGeom prst="rect">
-            <a:avLst/>
-          </a:prstGeom>
-        </p:spPr>
-        <p:style>
-          <a:lnRef idx="2">
-            <a:schemeClr val="accent1">
-              <a:shade val="15000"/>
-            </a:schemeClr>
-          </a:lnRef>
-          <a:fillRef idx="1">
-            <a:schemeClr val="accent1"/>
-          </a:fillRef>
-          <a:effectRef idx="0">
-            <a:schemeClr val="accent1"/>
-          </a:effectRef>
-          <a:fontRef idx="minor">
-            <a:schemeClr val="lt1"/>
-          </a:fontRef>
-        </p:style>
-        <p:txBody>
-          <a:bodyPr rtlCol="0" anchor="ctr"/>
-          <a:lstStyle/>
-          <a:p>
-            <a:pPr algn="ctr"/>
-            <a:r>
-              <a:rPr lang="en-US" dirty="0"/>
-              <a:t>Specialisation</a:t>
+              <a:t>Specialisations</a:t>
             </a:r>
           </a:p>
         </p:txBody>
@@ -5216,8 +5136,8 @@
         </p:nvCxnSpPr>
         <p:spPr>
           <a:xfrm flipV="1">
-            <a:off x="10017142" y="1892633"/>
-            <a:ext cx="542052" cy="403242"/>
+            <a:off x="9954103" y="1417120"/>
+            <a:ext cx="0" cy="772388"/>
           </a:xfrm>
           <a:prstGeom prst="straightConnector1">
             <a:avLst/>
